--- a/ppt 16-9/0505.中国的夜晚.pptx
+++ b/ppt 16-9/0505.中国的夜晚.pptx
@@ -129,7 +129,7 @@
           <p:cNvPr id="2" name="标题 1">
             <a:extLst>
               <a:ext uri="{FF2B5EF4-FFF2-40B4-BE49-F238E27FC236}">
-                <a16:creationId xmlns:a16="http://schemas.microsoft.com/office/drawing/2014/main" id="{878BF277-5DBA-DDF8-9CC5-7E3D65BF6C7A}"/>
+                <a16:creationId xmlns:a16="http://schemas.microsoft.com/office/drawing/2014/main" id="{40918A40-CF0B-2F43-EB7F-B87ADEA3F5BC}"/>
               </a:ext>
             </a:extLst>
           </p:cNvPr>
@@ -166,7 +166,7 @@
           <p:cNvPr id="3" name="副标题 2">
             <a:extLst>
               <a:ext uri="{FF2B5EF4-FFF2-40B4-BE49-F238E27FC236}">
-                <a16:creationId xmlns:a16="http://schemas.microsoft.com/office/drawing/2014/main" id="{3D7812EC-CE3A-7BA3-321C-71CD0A76BD61}"/>
+                <a16:creationId xmlns:a16="http://schemas.microsoft.com/office/drawing/2014/main" id="{5473F47F-AFF8-D430-AFB4-898AC4FD4623}"/>
               </a:ext>
             </a:extLst>
           </p:cNvPr>
@@ -236,7 +236,7 @@
           <p:cNvPr id="4" name="日期占位符 3">
             <a:extLst>
               <a:ext uri="{FF2B5EF4-FFF2-40B4-BE49-F238E27FC236}">
-                <a16:creationId xmlns:a16="http://schemas.microsoft.com/office/drawing/2014/main" id="{BA3058D9-6029-5C92-8D78-47572BDA2955}"/>
+                <a16:creationId xmlns:a16="http://schemas.microsoft.com/office/drawing/2014/main" id="{AA7A53A6-EFD8-5181-A1ED-3FCFE6D4222D}"/>
               </a:ext>
             </a:extLst>
           </p:cNvPr>
@@ -252,7 +252,7 @@
           <a:bodyPr/>
           <a:lstStyle/>
           <a:p>
-            <a:fld id="{60231E07-91DC-43D0-B614-20EBE972B3CC}" type="datetimeFigureOut">
+            <a:fld id="{D2E8CE5E-070A-42F2-B15C-4D52EDEEF709}" type="datetimeFigureOut">
               <a:rPr lang="zh-CN" altLang="en-US" smtClean="0"/>
               <a:t>2024/3/10</a:t>
             </a:fld>
@@ -265,7 +265,7 @@
           <p:cNvPr id="5" name="页脚占位符 4">
             <a:extLst>
               <a:ext uri="{FF2B5EF4-FFF2-40B4-BE49-F238E27FC236}">
-                <a16:creationId xmlns:a16="http://schemas.microsoft.com/office/drawing/2014/main" id="{66501836-6DF3-7AB0-349E-FAE8FF0DB876}"/>
+                <a16:creationId xmlns:a16="http://schemas.microsoft.com/office/drawing/2014/main" id="{85D3695F-5B41-998A-4120-C455353CDCB3}"/>
               </a:ext>
             </a:extLst>
           </p:cNvPr>
@@ -290,7 +290,7 @@
           <p:cNvPr id="6" name="灯片编号占位符 5">
             <a:extLst>
               <a:ext uri="{FF2B5EF4-FFF2-40B4-BE49-F238E27FC236}">
-                <a16:creationId xmlns:a16="http://schemas.microsoft.com/office/drawing/2014/main" id="{973F2A8C-6DA0-5478-DF0A-D07DB7C66F1F}"/>
+                <a16:creationId xmlns:a16="http://schemas.microsoft.com/office/drawing/2014/main" id="{21EED1A2-FB1F-3313-2F42-991176755B85}"/>
               </a:ext>
             </a:extLst>
           </p:cNvPr>
@@ -306,7 +306,7 @@
           <a:bodyPr/>
           <a:lstStyle/>
           <a:p>
-            <a:fld id="{1D4997B2-6EAD-47D3-A68B-808F28EFD321}" type="slidenum">
+            <a:fld id="{DD091B16-0BDB-4A8F-8245-60E07DA91186}" type="slidenum">
               <a:rPr lang="zh-CN" altLang="en-US" smtClean="0"/>
               <a:t>‹#›</a:t>
             </a:fld>
@@ -317,7 +317,7 @@
     </p:spTree>
     <p:extLst>
       <p:ext uri="{BB962C8B-B14F-4D97-AF65-F5344CB8AC3E}">
-        <p14:creationId xmlns:p14="http://schemas.microsoft.com/office/powerpoint/2010/main" val="3230272010"/>
+        <p14:creationId xmlns:p14="http://schemas.microsoft.com/office/powerpoint/2010/main" val="97760569"/>
       </p:ext>
     </p:extLst>
   </p:cSld>
@@ -349,7 +349,7 @@
           <p:cNvPr id="2" name="标题 1">
             <a:extLst>
               <a:ext uri="{FF2B5EF4-FFF2-40B4-BE49-F238E27FC236}">
-                <a16:creationId xmlns:a16="http://schemas.microsoft.com/office/drawing/2014/main" id="{09CB737F-3509-F4DA-50D5-935D8B242AC9}"/>
+                <a16:creationId xmlns:a16="http://schemas.microsoft.com/office/drawing/2014/main" id="{200D685C-835F-F552-F275-7442C346C1CF}"/>
               </a:ext>
             </a:extLst>
           </p:cNvPr>
@@ -377,7 +377,7 @@
           <p:cNvPr id="3" name="竖排文字占位符 2">
             <a:extLst>
               <a:ext uri="{FF2B5EF4-FFF2-40B4-BE49-F238E27FC236}">
-                <a16:creationId xmlns:a16="http://schemas.microsoft.com/office/drawing/2014/main" id="{5260FEF7-577D-ABAD-5D12-229CBB0A0247}"/>
+                <a16:creationId xmlns:a16="http://schemas.microsoft.com/office/drawing/2014/main" id="{3D698204-A0D0-4979-A65A-DE857F63F928}"/>
               </a:ext>
             </a:extLst>
           </p:cNvPr>
@@ -434,7 +434,7 @@
           <p:cNvPr id="4" name="日期占位符 3">
             <a:extLst>
               <a:ext uri="{FF2B5EF4-FFF2-40B4-BE49-F238E27FC236}">
-                <a16:creationId xmlns:a16="http://schemas.microsoft.com/office/drawing/2014/main" id="{1DE26BCE-74EB-883B-AE4C-E52901FC3FEB}"/>
+                <a16:creationId xmlns:a16="http://schemas.microsoft.com/office/drawing/2014/main" id="{B49426E5-306D-B322-FBBF-BA929B1B272B}"/>
               </a:ext>
             </a:extLst>
           </p:cNvPr>
@@ -450,7 +450,7 @@
           <a:bodyPr/>
           <a:lstStyle/>
           <a:p>
-            <a:fld id="{60231E07-91DC-43D0-B614-20EBE972B3CC}" type="datetimeFigureOut">
+            <a:fld id="{D2E8CE5E-070A-42F2-B15C-4D52EDEEF709}" type="datetimeFigureOut">
               <a:rPr lang="zh-CN" altLang="en-US" smtClean="0"/>
               <a:t>2024/3/10</a:t>
             </a:fld>
@@ -463,7 +463,7 @@
           <p:cNvPr id="5" name="页脚占位符 4">
             <a:extLst>
               <a:ext uri="{FF2B5EF4-FFF2-40B4-BE49-F238E27FC236}">
-                <a16:creationId xmlns:a16="http://schemas.microsoft.com/office/drawing/2014/main" id="{8D61D972-EAAC-A016-795B-7B3A69FBBFEB}"/>
+                <a16:creationId xmlns:a16="http://schemas.microsoft.com/office/drawing/2014/main" id="{81E4BF9C-6167-FA86-2AEB-862CF0816C39}"/>
               </a:ext>
             </a:extLst>
           </p:cNvPr>
@@ -488,7 +488,7 @@
           <p:cNvPr id="6" name="灯片编号占位符 5">
             <a:extLst>
               <a:ext uri="{FF2B5EF4-FFF2-40B4-BE49-F238E27FC236}">
-                <a16:creationId xmlns:a16="http://schemas.microsoft.com/office/drawing/2014/main" id="{B77C0354-FF9C-CC7D-896D-B56368CC7FFC}"/>
+                <a16:creationId xmlns:a16="http://schemas.microsoft.com/office/drawing/2014/main" id="{11F76609-EC4D-8248-BFF7-80CF1026493C}"/>
               </a:ext>
             </a:extLst>
           </p:cNvPr>
@@ -504,7 +504,7 @@
           <a:bodyPr/>
           <a:lstStyle/>
           <a:p>
-            <a:fld id="{1D4997B2-6EAD-47D3-A68B-808F28EFD321}" type="slidenum">
+            <a:fld id="{DD091B16-0BDB-4A8F-8245-60E07DA91186}" type="slidenum">
               <a:rPr lang="zh-CN" altLang="en-US" smtClean="0"/>
               <a:t>‹#›</a:t>
             </a:fld>
@@ -515,7 +515,7 @@
     </p:spTree>
     <p:extLst>
       <p:ext uri="{BB962C8B-B14F-4D97-AF65-F5344CB8AC3E}">
-        <p14:creationId xmlns:p14="http://schemas.microsoft.com/office/powerpoint/2010/main" val="170291791"/>
+        <p14:creationId xmlns:p14="http://schemas.microsoft.com/office/powerpoint/2010/main" val="2989651271"/>
       </p:ext>
     </p:extLst>
   </p:cSld>
@@ -547,7 +547,7 @@
           <p:cNvPr id="2" name="竖排标题 1">
             <a:extLst>
               <a:ext uri="{FF2B5EF4-FFF2-40B4-BE49-F238E27FC236}">
-                <a16:creationId xmlns:a16="http://schemas.microsoft.com/office/drawing/2014/main" id="{017523CA-2E86-B7F4-83F5-691AA019FE18}"/>
+                <a16:creationId xmlns:a16="http://schemas.microsoft.com/office/drawing/2014/main" id="{A36078C8-9263-C860-DB8F-2C2538FD6238}"/>
               </a:ext>
             </a:extLst>
           </p:cNvPr>
@@ -580,7 +580,7 @@
           <p:cNvPr id="3" name="竖排文字占位符 2">
             <a:extLst>
               <a:ext uri="{FF2B5EF4-FFF2-40B4-BE49-F238E27FC236}">
-                <a16:creationId xmlns:a16="http://schemas.microsoft.com/office/drawing/2014/main" id="{FAB158EA-7F5C-5B09-81E6-996892E1D814}"/>
+                <a16:creationId xmlns:a16="http://schemas.microsoft.com/office/drawing/2014/main" id="{FD55BFDE-8D8E-B00F-273B-4A788EE3D60C}"/>
               </a:ext>
             </a:extLst>
           </p:cNvPr>
@@ -642,7 +642,7 @@
           <p:cNvPr id="4" name="日期占位符 3">
             <a:extLst>
               <a:ext uri="{FF2B5EF4-FFF2-40B4-BE49-F238E27FC236}">
-                <a16:creationId xmlns:a16="http://schemas.microsoft.com/office/drawing/2014/main" id="{C75DC9E6-71F6-4AFA-37E1-22F8CBC452FB}"/>
+                <a16:creationId xmlns:a16="http://schemas.microsoft.com/office/drawing/2014/main" id="{1A8CFE60-E791-7C2D-3B10-A8C0C497239B}"/>
               </a:ext>
             </a:extLst>
           </p:cNvPr>
@@ -658,7 +658,7 @@
           <a:bodyPr/>
           <a:lstStyle/>
           <a:p>
-            <a:fld id="{60231E07-91DC-43D0-B614-20EBE972B3CC}" type="datetimeFigureOut">
+            <a:fld id="{D2E8CE5E-070A-42F2-B15C-4D52EDEEF709}" type="datetimeFigureOut">
               <a:rPr lang="zh-CN" altLang="en-US" smtClean="0"/>
               <a:t>2024/3/10</a:t>
             </a:fld>
@@ -671,7 +671,7 @@
           <p:cNvPr id="5" name="页脚占位符 4">
             <a:extLst>
               <a:ext uri="{FF2B5EF4-FFF2-40B4-BE49-F238E27FC236}">
-                <a16:creationId xmlns:a16="http://schemas.microsoft.com/office/drawing/2014/main" id="{CA6DF22E-1DBD-2C07-C48E-542DF2751280}"/>
+                <a16:creationId xmlns:a16="http://schemas.microsoft.com/office/drawing/2014/main" id="{0FE6ABF5-B3C3-3D9C-AB52-4AFAF81CD814}"/>
               </a:ext>
             </a:extLst>
           </p:cNvPr>
@@ -696,7 +696,7 @@
           <p:cNvPr id="6" name="灯片编号占位符 5">
             <a:extLst>
               <a:ext uri="{FF2B5EF4-FFF2-40B4-BE49-F238E27FC236}">
-                <a16:creationId xmlns:a16="http://schemas.microsoft.com/office/drawing/2014/main" id="{2405E0E5-81BF-226F-41A5-E7173949FC67}"/>
+                <a16:creationId xmlns:a16="http://schemas.microsoft.com/office/drawing/2014/main" id="{FDD55CB6-280B-C5F9-2572-D3E7F4E50941}"/>
               </a:ext>
             </a:extLst>
           </p:cNvPr>
@@ -712,7 +712,7 @@
           <a:bodyPr/>
           <a:lstStyle/>
           <a:p>
-            <a:fld id="{1D4997B2-6EAD-47D3-A68B-808F28EFD321}" type="slidenum">
+            <a:fld id="{DD091B16-0BDB-4A8F-8245-60E07DA91186}" type="slidenum">
               <a:rPr lang="zh-CN" altLang="en-US" smtClean="0"/>
               <a:t>‹#›</a:t>
             </a:fld>
@@ -723,7 +723,7 @@
     </p:spTree>
     <p:extLst>
       <p:ext uri="{BB962C8B-B14F-4D97-AF65-F5344CB8AC3E}">
-        <p14:creationId xmlns:p14="http://schemas.microsoft.com/office/powerpoint/2010/main" val="3578330621"/>
+        <p14:creationId xmlns:p14="http://schemas.microsoft.com/office/powerpoint/2010/main" val="3617874587"/>
       </p:ext>
     </p:extLst>
   </p:cSld>
@@ -755,7 +755,7 @@
           <p:cNvPr id="2" name="标题 1">
             <a:extLst>
               <a:ext uri="{FF2B5EF4-FFF2-40B4-BE49-F238E27FC236}">
-                <a16:creationId xmlns:a16="http://schemas.microsoft.com/office/drawing/2014/main" id="{7148DCDE-CAB0-03C4-4951-76B3C4C1DC06}"/>
+                <a16:creationId xmlns:a16="http://schemas.microsoft.com/office/drawing/2014/main" id="{9A3EB451-2EA2-BF6A-2AAC-0BBB373394DA}"/>
               </a:ext>
             </a:extLst>
           </p:cNvPr>
@@ -783,7 +783,7 @@
           <p:cNvPr id="3" name="内容占位符 2">
             <a:extLst>
               <a:ext uri="{FF2B5EF4-FFF2-40B4-BE49-F238E27FC236}">
-                <a16:creationId xmlns:a16="http://schemas.microsoft.com/office/drawing/2014/main" id="{29454570-FA64-A6F5-44B8-A702EFB37F39}"/>
+                <a16:creationId xmlns:a16="http://schemas.microsoft.com/office/drawing/2014/main" id="{A8A8D16A-0CD7-3B9C-8273-0B864C8FB66D}"/>
               </a:ext>
             </a:extLst>
           </p:cNvPr>
@@ -840,7 +840,7 @@
           <p:cNvPr id="4" name="日期占位符 3">
             <a:extLst>
               <a:ext uri="{FF2B5EF4-FFF2-40B4-BE49-F238E27FC236}">
-                <a16:creationId xmlns:a16="http://schemas.microsoft.com/office/drawing/2014/main" id="{4C2711C9-14A2-4A92-980F-A7571197880E}"/>
+                <a16:creationId xmlns:a16="http://schemas.microsoft.com/office/drawing/2014/main" id="{5C0E5504-DF37-BE57-02C9-D0F1AFED1F04}"/>
               </a:ext>
             </a:extLst>
           </p:cNvPr>
@@ -856,7 +856,7 @@
           <a:bodyPr/>
           <a:lstStyle/>
           <a:p>
-            <a:fld id="{60231E07-91DC-43D0-B614-20EBE972B3CC}" type="datetimeFigureOut">
+            <a:fld id="{D2E8CE5E-070A-42F2-B15C-4D52EDEEF709}" type="datetimeFigureOut">
               <a:rPr lang="zh-CN" altLang="en-US" smtClean="0"/>
               <a:t>2024/3/10</a:t>
             </a:fld>
@@ -869,7 +869,7 @@
           <p:cNvPr id="5" name="页脚占位符 4">
             <a:extLst>
               <a:ext uri="{FF2B5EF4-FFF2-40B4-BE49-F238E27FC236}">
-                <a16:creationId xmlns:a16="http://schemas.microsoft.com/office/drawing/2014/main" id="{BA5A341A-6053-1A3C-767E-A4E82796E205}"/>
+                <a16:creationId xmlns:a16="http://schemas.microsoft.com/office/drawing/2014/main" id="{37B6E2DD-4302-A000-EAA5-FA6065195867}"/>
               </a:ext>
             </a:extLst>
           </p:cNvPr>
@@ -894,7 +894,7 @@
           <p:cNvPr id="6" name="灯片编号占位符 5">
             <a:extLst>
               <a:ext uri="{FF2B5EF4-FFF2-40B4-BE49-F238E27FC236}">
-                <a16:creationId xmlns:a16="http://schemas.microsoft.com/office/drawing/2014/main" id="{608B03A3-42CA-E4A8-F3B1-09E6C16EBBAE}"/>
+                <a16:creationId xmlns:a16="http://schemas.microsoft.com/office/drawing/2014/main" id="{AA5FC551-5AFB-AA96-8B44-95206630FE2F}"/>
               </a:ext>
             </a:extLst>
           </p:cNvPr>
@@ -910,7 +910,7 @@
           <a:bodyPr/>
           <a:lstStyle/>
           <a:p>
-            <a:fld id="{1D4997B2-6EAD-47D3-A68B-808F28EFD321}" type="slidenum">
+            <a:fld id="{DD091B16-0BDB-4A8F-8245-60E07DA91186}" type="slidenum">
               <a:rPr lang="zh-CN" altLang="en-US" smtClean="0"/>
               <a:t>‹#›</a:t>
             </a:fld>
@@ -921,7 +921,7 @@
     </p:spTree>
     <p:extLst>
       <p:ext uri="{BB962C8B-B14F-4D97-AF65-F5344CB8AC3E}">
-        <p14:creationId xmlns:p14="http://schemas.microsoft.com/office/powerpoint/2010/main" val="3459485595"/>
+        <p14:creationId xmlns:p14="http://schemas.microsoft.com/office/powerpoint/2010/main" val="1954182706"/>
       </p:ext>
     </p:extLst>
   </p:cSld>
@@ -953,7 +953,7 @@
           <p:cNvPr id="2" name="标题 1">
             <a:extLst>
               <a:ext uri="{FF2B5EF4-FFF2-40B4-BE49-F238E27FC236}">
-                <a16:creationId xmlns:a16="http://schemas.microsoft.com/office/drawing/2014/main" id="{26E82050-B1BA-CA2F-01FF-91C6E1103464}"/>
+                <a16:creationId xmlns:a16="http://schemas.microsoft.com/office/drawing/2014/main" id="{B0407CA8-8912-1604-BC81-E114EB3133D7}"/>
               </a:ext>
             </a:extLst>
           </p:cNvPr>
@@ -990,7 +990,7 @@
           <p:cNvPr id="3" name="文本占位符 2">
             <a:extLst>
               <a:ext uri="{FF2B5EF4-FFF2-40B4-BE49-F238E27FC236}">
-                <a16:creationId xmlns:a16="http://schemas.microsoft.com/office/drawing/2014/main" id="{9B2A97F8-D333-5822-8F97-48FBC17D5CBB}"/>
+                <a16:creationId xmlns:a16="http://schemas.microsoft.com/office/drawing/2014/main" id="{09046A27-B033-699B-58CE-058F41C8F06F}"/>
               </a:ext>
             </a:extLst>
           </p:cNvPr>
@@ -1115,7 +1115,7 @@
           <p:cNvPr id="4" name="日期占位符 3">
             <a:extLst>
               <a:ext uri="{FF2B5EF4-FFF2-40B4-BE49-F238E27FC236}">
-                <a16:creationId xmlns:a16="http://schemas.microsoft.com/office/drawing/2014/main" id="{352B22EE-2EC0-1571-8FA2-4BAAFB6AA694}"/>
+                <a16:creationId xmlns:a16="http://schemas.microsoft.com/office/drawing/2014/main" id="{5F6B265F-4ADB-3037-FBB9-0D9ECE6FE59C}"/>
               </a:ext>
             </a:extLst>
           </p:cNvPr>
@@ -1131,7 +1131,7 @@
           <a:bodyPr/>
           <a:lstStyle/>
           <a:p>
-            <a:fld id="{60231E07-91DC-43D0-B614-20EBE972B3CC}" type="datetimeFigureOut">
+            <a:fld id="{D2E8CE5E-070A-42F2-B15C-4D52EDEEF709}" type="datetimeFigureOut">
               <a:rPr lang="zh-CN" altLang="en-US" smtClean="0"/>
               <a:t>2024/3/10</a:t>
             </a:fld>
@@ -1144,7 +1144,7 @@
           <p:cNvPr id="5" name="页脚占位符 4">
             <a:extLst>
               <a:ext uri="{FF2B5EF4-FFF2-40B4-BE49-F238E27FC236}">
-                <a16:creationId xmlns:a16="http://schemas.microsoft.com/office/drawing/2014/main" id="{1BFA0A80-FBF2-632E-DF22-A77CA5F1614E}"/>
+                <a16:creationId xmlns:a16="http://schemas.microsoft.com/office/drawing/2014/main" id="{CF9F7E59-1382-A41F-FC75-7BF870572EB0}"/>
               </a:ext>
             </a:extLst>
           </p:cNvPr>
@@ -1169,7 +1169,7 @@
           <p:cNvPr id="6" name="灯片编号占位符 5">
             <a:extLst>
               <a:ext uri="{FF2B5EF4-FFF2-40B4-BE49-F238E27FC236}">
-                <a16:creationId xmlns:a16="http://schemas.microsoft.com/office/drawing/2014/main" id="{1AEF1993-7B76-1C69-E198-D0E9ABBF6EE9}"/>
+                <a16:creationId xmlns:a16="http://schemas.microsoft.com/office/drawing/2014/main" id="{5650A825-8F91-C943-CFFD-4723333874C6}"/>
               </a:ext>
             </a:extLst>
           </p:cNvPr>
@@ -1185,7 +1185,7 @@
           <a:bodyPr/>
           <a:lstStyle/>
           <a:p>
-            <a:fld id="{1D4997B2-6EAD-47D3-A68B-808F28EFD321}" type="slidenum">
+            <a:fld id="{DD091B16-0BDB-4A8F-8245-60E07DA91186}" type="slidenum">
               <a:rPr lang="zh-CN" altLang="en-US" smtClean="0"/>
               <a:t>‹#›</a:t>
             </a:fld>
@@ -1196,7 +1196,7 @@
     </p:spTree>
     <p:extLst>
       <p:ext uri="{BB962C8B-B14F-4D97-AF65-F5344CB8AC3E}">
-        <p14:creationId xmlns:p14="http://schemas.microsoft.com/office/powerpoint/2010/main" val="1092572552"/>
+        <p14:creationId xmlns:p14="http://schemas.microsoft.com/office/powerpoint/2010/main" val="1214374668"/>
       </p:ext>
     </p:extLst>
   </p:cSld>
@@ -1228,7 +1228,7 @@
           <p:cNvPr id="2" name="标题 1">
             <a:extLst>
               <a:ext uri="{FF2B5EF4-FFF2-40B4-BE49-F238E27FC236}">
-                <a16:creationId xmlns:a16="http://schemas.microsoft.com/office/drawing/2014/main" id="{493951B8-1A88-95E7-793A-C8D4414FEB7A}"/>
+                <a16:creationId xmlns:a16="http://schemas.microsoft.com/office/drawing/2014/main" id="{F4D56784-1D0E-78E8-2355-08C9BB5D4477}"/>
               </a:ext>
             </a:extLst>
           </p:cNvPr>
@@ -1256,7 +1256,7 @@
           <p:cNvPr id="3" name="内容占位符 2">
             <a:extLst>
               <a:ext uri="{FF2B5EF4-FFF2-40B4-BE49-F238E27FC236}">
-                <a16:creationId xmlns:a16="http://schemas.microsoft.com/office/drawing/2014/main" id="{60DAA22A-E9DD-1ED6-FFED-BA72F44B60B3}"/>
+                <a16:creationId xmlns:a16="http://schemas.microsoft.com/office/drawing/2014/main" id="{60917A95-BE89-F26D-E357-F9FE575F795B}"/>
               </a:ext>
             </a:extLst>
           </p:cNvPr>
@@ -1318,7 +1318,7 @@
           <p:cNvPr id="4" name="内容占位符 3">
             <a:extLst>
               <a:ext uri="{FF2B5EF4-FFF2-40B4-BE49-F238E27FC236}">
-                <a16:creationId xmlns:a16="http://schemas.microsoft.com/office/drawing/2014/main" id="{F9E47362-F0CF-B285-2EC2-E7BC75F6D6BD}"/>
+                <a16:creationId xmlns:a16="http://schemas.microsoft.com/office/drawing/2014/main" id="{F78EE3C3-302F-B269-3F40-5B1F1C43CAFE}"/>
               </a:ext>
             </a:extLst>
           </p:cNvPr>
@@ -1380,7 +1380,7 @@
           <p:cNvPr id="5" name="日期占位符 4">
             <a:extLst>
               <a:ext uri="{FF2B5EF4-FFF2-40B4-BE49-F238E27FC236}">
-                <a16:creationId xmlns:a16="http://schemas.microsoft.com/office/drawing/2014/main" id="{C70A6671-9AF7-BFB8-E820-07BF6E76814D}"/>
+                <a16:creationId xmlns:a16="http://schemas.microsoft.com/office/drawing/2014/main" id="{AE38B670-40DB-AF74-3007-D531FC55F08D}"/>
               </a:ext>
             </a:extLst>
           </p:cNvPr>
@@ -1396,7 +1396,7 @@
           <a:bodyPr/>
           <a:lstStyle/>
           <a:p>
-            <a:fld id="{60231E07-91DC-43D0-B614-20EBE972B3CC}" type="datetimeFigureOut">
+            <a:fld id="{D2E8CE5E-070A-42F2-B15C-4D52EDEEF709}" type="datetimeFigureOut">
               <a:rPr lang="zh-CN" altLang="en-US" smtClean="0"/>
               <a:t>2024/3/10</a:t>
             </a:fld>
@@ -1409,7 +1409,7 @@
           <p:cNvPr id="6" name="页脚占位符 5">
             <a:extLst>
               <a:ext uri="{FF2B5EF4-FFF2-40B4-BE49-F238E27FC236}">
-                <a16:creationId xmlns:a16="http://schemas.microsoft.com/office/drawing/2014/main" id="{318F8C13-1E15-A031-B00E-56E04177197E}"/>
+                <a16:creationId xmlns:a16="http://schemas.microsoft.com/office/drawing/2014/main" id="{0B8A693D-4744-7F93-C1F8-9B60DE094E3A}"/>
               </a:ext>
             </a:extLst>
           </p:cNvPr>
@@ -1434,7 +1434,7 @@
           <p:cNvPr id="7" name="灯片编号占位符 6">
             <a:extLst>
               <a:ext uri="{FF2B5EF4-FFF2-40B4-BE49-F238E27FC236}">
-                <a16:creationId xmlns:a16="http://schemas.microsoft.com/office/drawing/2014/main" id="{E2329177-39F2-48B1-53B2-FF51EEED458A}"/>
+                <a16:creationId xmlns:a16="http://schemas.microsoft.com/office/drawing/2014/main" id="{0234A035-946E-2EFC-9DFD-E2653FFDD604}"/>
               </a:ext>
             </a:extLst>
           </p:cNvPr>
@@ -1450,7 +1450,7 @@
           <a:bodyPr/>
           <a:lstStyle/>
           <a:p>
-            <a:fld id="{1D4997B2-6EAD-47D3-A68B-808F28EFD321}" type="slidenum">
+            <a:fld id="{DD091B16-0BDB-4A8F-8245-60E07DA91186}" type="slidenum">
               <a:rPr lang="zh-CN" altLang="en-US" smtClean="0"/>
               <a:t>‹#›</a:t>
             </a:fld>
@@ -1461,7 +1461,7 @@
     </p:spTree>
     <p:extLst>
       <p:ext uri="{BB962C8B-B14F-4D97-AF65-F5344CB8AC3E}">
-        <p14:creationId xmlns:p14="http://schemas.microsoft.com/office/powerpoint/2010/main" val="173797599"/>
+        <p14:creationId xmlns:p14="http://schemas.microsoft.com/office/powerpoint/2010/main" val="485392415"/>
       </p:ext>
     </p:extLst>
   </p:cSld>
@@ -1493,7 +1493,7 @@
           <p:cNvPr id="2" name="标题 1">
             <a:extLst>
               <a:ext uri="{FF2B5EF4-FFF2-40B4-BE49-F238E27FC236}">
-                <a16:creationId xmlns:a16="http://schemas.microsoft.com/office/drawing/2014/main" id="{72204B71-1544-C4F9-534E-8A75BCA3A6F0}"/>
+                <a16:creationId xmlns:a16="http://schemas.microsoft.com/office/drawing/2014/main" id="{759EC8F5-4B65-431F-8BE6-6130E0EBAFAE}"/>
               </a:ext>
             </a:extLst>
           </p:cNvPr>
@@ -1526,7 +1526,7 @@
           <p:cNvPr id="3" name="文本占位符 2">
             <a:extLst>
               <a:ext uri="{FF2B5EF4-FFF2-40B4-BE49-F238E27FC236}">
-                <a16:creationId xmlns:a16="http://schemas.microsoft.com/office/drawing/2014/main" id="{B6432DAC-961C-4E8F-C200-56D3252838CC}"/>
+                <a16:creationId xmlns:a16="http://schemas.microsoft.com/office/drawing/2014/main" id="{9E73E3E9-4535-E97A-AB4C-89E109B6A1CD}"/>
               </a:ext>
             </a:extLst>
           </p:cNvPr>
@@ -1597,7 +1597,7 @@
           <p:cNvPr id="4" name="内容占位符 3">
             <a:extLst>
               <a:ext uri="{FF2B5EF4-FFF2-40B4-BE49-F238E27FC236}">
-                <a16:creationId xmlns:a16="http://schemas.microsoft.com/office/drawing/2014/main" id="{32E20D63-449E-61D6-872C-E901F7C56651}"/>
+                <a16:creationId xmlns:a16="http://schemas.microsoft.com/office/drawing/2014/main" id="{26DEBB91-A817-135D-4958-18113C7251D5}"/>
               </a:ext>
             </a:extLst>
           </p:cNvPr>
@@ -1659,7 +1659,7 @@
           <p:cNvPr id="5" name="文本占位符 4">
             <a:extLst>
               <a:ext uri="{FF2B5EF4-FFF2-40B4-BE49-F238E27FC236}">
-                <a16:creationId xmlns:a16="http://schemas.microsoft.com/office/drawing/2014/main" id="{3BB75AAA-062B-D48D-5FFA-99B9105B0D11}"/>
+                <a16:creationId xmlns:a16="http://schemas.microsoft.com/office/drawing/2014/main" id="{6570F523-CBE0-86F1-7051-D5602CD09EA7}"/>
               </a:ext>
             </a:extLst>
           </p:cNvPr>
@@ -1730,7 +1730,7 @@
           <p:cNvPr id="6" name="内容占位符 5">
             <a:extLst>
               <a:ext uri="{FF2B5EF4-FFF2-40B4-BE49-F238E27FC236}">
-                <a16:creationId xmlns:a16="http://schemas.microsoft.com/office/drawing/2014/main" id="{E009C10E-AECE-3666-2169-19C531628FF3}"/>
+                <a16:creationId xmlns:a16="http://schemas.microsoft.com/office/drawing/2014/main" id="{1D6303B0-20EC-1E81-5A11-C0456CB108E5}"/>
               </a:ext>
             </a:extLst>
           </p:cNvPr>
@@ -1792,7 +1792,7 @@
           <p:cNvPr id="7" name="日期占位符 6">
             <a:extLst>
               <a:ext uri="{FF2B5EF4-FFF2-40B4-BE49-F238E27FC236}">
-                <a16:creationId xmlns:a16="http://schemas.microsoft.com/office/drawing/2014/main" id="{B28A00EA-F584-EB88-5ABB-5B2C304F1882}"/>
+                <a16:creationId xmlns:a16="http://schemas.microsoft.com/office/drawing/2014/main" id="{EE36F795-C471-683C-9668-BE952C140698}"/>
               </a:ext>
             </a:extLst>
           </p:cNvPr>
@@ -1808,7 +1808,7 @@
           <a:bodyPr/>
           <a:lstStyle/>
           <a:p>
-            <a:fld id="{60231E07-91DC-43D0-B614-20EBE972B3CC}" type="datetimeFigureOut">
+            <a:fld id="{D2E8CE5E-070A-42F2-B15C-4D52EDEEF709}" type="datetimeFigureOut">
               <a:rPr lang="zh-CN" altLang="en-US" smtClean="0"/>
               <a:t>2024/3/10</a:t>
             </a:fld>
@@ -1821,7 +1821,7 @@
           <p:cNvPr id="8" name="页脚占位符 7">
             <a:extLst>
               <a:ext uri="{FF2B5EF4-FFF2-40B4-BE49-F238E27FC236}">
-                <a16:creationId xmlns:a16="http://schemas.microsoft.com/office/drawing/2014/main" id="{4514982A-BEFF-6CEF-195D-3D49B9D58325}"/>
+                <a16:creationId xmlns:a16="http://schemas.microsoft.com/office/drawing/2014/main" id="{C6DEF4A1-F95D-A7E0-4813-1C319BAF01EF}"/>
               </a:ext>
             </a:extLst>
           </p:cNvPr>
@@ -1846,7 +1846,7 @@
           <p:cNvPr id="9" name="灯片编号占位符 8">
             <a:extLst>
               <a:ext uri="{FF2B5EF4-FFF2-40B4-BE49-F238E27FC236}">
-                <a16:creationId xmlns:a16="http://schemas.microsoft.com/office/drawing/2014/main" id="{A4C9EC56-DA9D-A8C0-05E6-0506A157C649}"/>
+                <a16:creationId xmlns:a16="http://schemas.microsoft.com/office/drawing/2014/main" id="{D32A0D14-11A9-5B56-D839-8CE57C7659B4}"/>
               </a:ext>
             </a:extLst>
           </p:cNvPr>
@@ -1862,7 +1862,7 @@
           <a:bodyPr/>
           <a:lstStyle/>
           <a:p>
-            <a:fld id="{1D4997B2-6EAD-47D3-A68B-808F28EFD321}" type="slidenum">
+            <a:fld id="{DD091B16-0BDB-4A8F-8245-60E07DA91186}" type="slidenum">
               <a:rPr lang="zh-CN" altLang="en-US" smtClean="0"/>
               <a:t>‹#›</a:t>
             </a:fld>
@@ -1873,7 +1873,7 @@
     </p:spTree>
     <p:extLst>
       <p:ext uri="{BB962C8B-B14F-4D97-AF65-F5344CB8AC3E}">
-        <p14:creationId xmlns:p14="http://schemas.microsoft.com/office/powerpoint/2010/main" val="581320675"/>
+        <p14:creationId xmlns:p14="http://schemas.microsoft.com/office/powerpoint/2010/main" val="1783022928"/>
       </p:ext>
     </p:extLst>
   </p:cSld>
@@ -1905,7 +1905,7 @@
           <p:cNvPr id="2" name="标题 1">
             <a:extLst>
               <a:ext uri="{FF2B5EF4-FFF2-40B4-BE49-F238E27FC236}">
-                <a16:creationId xmlns:a16="http://schemas.microsoft.com/office/drawing/2014/main" id="{8CC244AB-DFCC-D4BA-FFB2-D17D1D4D32CE}"/>
+                <a16:creationId xmlns:a16="http://schemas.microsoft.com/office/drawing/2014/main" id="{BFF44746-B064-498F-6C8F-0DF1FC232E39}"/>
               </a:ext>
             </a:extLst>
           </p:cNvPr>
@@ -1933,7 +1933,7 @@
           <p:cNvPr id="3" name="日期占位符 2">
             <a:extLst>
               <a:ext uri="{FF2B5EF4-FFF2-40B4-BE49-F238E27FC236}">
-                <a16:creationId xmlns:a16="http://schemas.microsoft.com/office/drawing/2014/main" id="{A3BB50FB-D71A-3028-F273-EBE83B4DA92D}"/>
+                <a16:creationId xmlns:a16="http://schemas.microsoft.com/office/drawing/2014/main" id="{FA56C56E-7F9E-C802-E883-30FD38957ED3}"/>
               </a:ext>
             </a:extLst>
           </p:cNvPr>
@@ -1949,7 +1949,7 @@
           <a:bodyPr/>
           <a:lstStyle/>
           <a:p>
-            <a:fld id="{60231E07-91DC-43D0-B614-20EBE972B3CC}" type="datetimeFigureOut">
+            <a:fld id="{D2E8CE5E-070A-42F2-B15C-4D52EDEEF709}" type="datetimeFigureOut">
               <a:rPr lang="zh-CN" altLang="en-US" smtClean="0"/>
               <a:t>2024/3/10</a:t>
             </a:fld>
@@ -1962,7 +1962,7 @@
           <p:cNvPr id="4" name="页脚占位符 3">
             <a:extLst>
               <a:ext uri="{FF2B5EF4-FFF2-40B4-BE49-F238E27FC236}">
-                <a16:creationId xmlns:a16="http://schemas.microsoft.com/office/drawing/2014/main" id="{EAEC405D-BF5A-C2B8-9F8A-0293C3FF15B0}"/>
+                <a16:creationId xmlns:a16="http://schemas.microsoft.com/office/drawing/2014/main" id="{1615735E-0F9C-C1ED-4DBB-029F116F5041}"/>
               </a:ext>
             </a:extLst>
           </p:cNvPr>
@@ -1987,7 +1987,7 @@
           <p:cNvPr id="5" name="灯片编号占位符 4">
             <a:extLst>
               <a:ext uri="{FF2B5EF4-FFF2-40B4-BE49-F238E27FC236}">
-                <a16:creationId xmlns:a16="http://schemas.microsoft.com/office/drawing/2014/main" id="{DF050A7D-3231-54D0-1996-7EE34C08702C}"/>
+                <a16:creationId xmlns:a16="http://schemas.microsoft.com/office/drawing/2014/main" id="{B99F57BC-0AB9-8BCF-AEE2-66383EEF51CB}"/>
               </a:ext>
             </a:extLst>
           </p:cNvPr>
@@ -2003,7 +2003,7 @@
           <a:bodyPr/>
           <a:lstStyle/>
           <a:p>
-            <a:fld id="{1D4997B2-6EAD-47D3-A68B-808F28EFD321}" type="slidenum">
+            <a:fld id="{DD091B16-0BDB-4A8F-8245-60E07DA91186}" type="slidenum">
               <a:rPr lang="zh-CN" altLang="en-US" smtClean="0"/>
               <a:t>‹#›</a:t>
             </a:fld>
@@ -2014,7 +2014,7 @@
     </p:spTree>
     <p:extLst>
       <p:ext uri="{BB962C8B-B14F-4D97-AF65-F5344CB8AC3E}">
-        <p14:creationId xmlns:p14="http://schemas.microsoft.com/office/powerpoint/2010/main" val="1761847349"/>
+        <p14:creationId xmlns:p14="http://schemas.microsoft.com/office/powerpoint/2010/main" val="1194893419"/>
       </p:ext>
     </p:extLst>
   </p:cSld>
@@ -2046,7 +2046,7 @@
           <p:cNvPr id="2" name="日期占位符 1">
             <a:extLst>
               <a:ext uri="{FF2B5EF4-FFF2-40B4-BE49-F238E27FC236}">
-                <a16:creationId xmlns:a16="http://schemas.microsoft.com/office/drawing/2014/main" id="{EBFBB744-4264-D85E-7722-0087683C603B}"/>
+                <a16:creationId xmlns:a16="http://schemas.microsoft.com/office/drawing/2014/main" id="{3555EF55-1B83-1398-AB17-27262DFCB01C}"/>
               </a:ext>
             </a:extLst>
           </p:cNvPr>
@@ -2062,7 +2062,7 @@
           <a:bodyPr/>
           <a:lstStyle/>
           <a:p>
-            <a:fld id="{60231E07-91DC-43D0-B614-20EBE972B3CC}" type="datetimeFigureOut">
+            <a:fld id="{D2E8CE5E-070A-42F2-B15C-4D52EDEEF709}" type="datetimeFigureOut">
               <a:rPr lang="zh-CN" altLang="en-US" smtClean="0"/>
               <a:t>2024/3/10</a:t>
             </a:fld>
@@ -2075,7 +2075,7 @@
           <p:cNvPr id="3" name="页脚占位符 2">
             <a:extLst>
               <a:ext uri="{FF2B5EF4-FFF2-40B4-BE49-F238E27FC236}">
-                <a16:creationId xmlns:a16="http://schemas.microsoft.com/office/drawing/2014/main" id="{67A02FBD-39C0-3E6C-6520-CB55CEA5B724}"/>
+                <a16:creationId xmlns:a16="http://schemas.microsoft.com/office/drawing/2014/main" id="{ACDE2848-8D4A-3CB8-5C15-1049C7C665AB}"/>
               </a:ext>
             </a:extLst>
           </p:cNvPr>
@@ -2100,7 +2100,7 @@
           <p:cNvPr id="4" name="灯片编号占位符 3">
             <a:extLst>
               <a:ext uri="{FF2B5EF4-FFF2-40B4-BE49-F238E27FC236}">
-                <a16:creationId xmlns:a16="http://schemas.microsoft.com/office/drawing/2014/main" id="{F6CA5067-875B-82DB-4AB7-B10C16339F17}"/>
+                <a16:creationId xmlns:a16="http://schemas.microsoft.com/office/drawing/2014/main" id="{87CFC5BF-9854-E5EE-94CB-E79623C538CF}"/>
               </a:ext>
             </a:extLst>
           </p:cNvPr>
@@ -2116,7 +2116,7 @@
           <a:bodyPr/>
           <a:lstStyle/>
           <a:p>
-            <a:fld id="{1D4997B2-6EAD-47D3-A68B-808F28EFD321}" type="slidenum">
+            <a:fld id="{DD091B16-0BDB-4A8F-8245-60E07DA91186}" type="slidenum">
               <a:rPr lang="zh-CN" altLang="en-US" smtClean="0"/>
               <a:t>‹#›</a:t>
             </a:fld>
@@ -2127,7 +2127,7 @@
     </p:spTree>
     <p:extLst>
       <p:ext uri="{BB962C8B-B14F-4D97-AF65-F5344CB8AC3E}">
-        <p14:creationId xmlns:p14="http://schemas.microsoft.com/office/powerpoint/2010/main" val="1221220899"/>
+        <p14:creationId xmlns:p14="http://schemas.microsoft.com/office/powerpoint/2010/main" val="218355661"/>
       </p:ext>
     </p:extLst>
   </p:cSld>
@@ -2159,7 +2159,7 @@
           <p:cNvPr id="2" name="标题 1">
             <a:extLst>
               <a:ext uri="{FF2B5EF4-FFF2-40B4-BE49-F238E27FC236}">
-                <a16:creationId xmlns:a16="http://schemas.microsoft.com/office/drawing/2014/main" id="{9B992054-57C0-3616-8E53-643FA25D1B23}"/>
+                <a16:creationId xmlns:a16="http://schemas.microsoft.com/office/drawing/2014/main" id="{320A2981-CB4B-0843-4BD2-CAAE25F3DA77}"/>
               </a:ext>
             </a:extLst>
           </p:cNvPr>
@@ -2196,7 +2196,7 @@
           <p:cNvPr id="3" name="内容占位符 2">
             <a:extLst>
               <a:ext uri="{FF2B5EF4-FFF2-40B4-BE49-F238E27FC236}">
-                <a16:creationId xmlns:a16="http://schemas.microsoft.com/office/drawing/2014/main" id="{0DE2174F-7243-1812-4176-423D1FD3EAB2}"/>
+                <a16:creationId xmlns:a16="http://schemas.microsoft.com/office/drawing/2014/main" id="{4ED94B48-AF5C-C7DC-22B6-5E5FA37EAF79}"/>
               </a:ext>
             </a:extLst>
           </p:cNvPr>
@@ -2286,7 +2286,7 @@
           <p:cNvPr id="4" name="文本占位符 3">
             <a:extLst>
               <a:ext uri="{FF2B5EF4-FFF2-40B4-BE49-F238E27FC236}">
-                <a16:creationId xmlns:a16="http://schemas.microsoft.com/office/drawing/2014/main" id="{20C245B9-7D95-72B3-3305-12EDEA3B0654}"/>
+                <a16:creationId xmlns:a16="http://schemas.microsoft.com/office/drawing/2014/main" id="{873ED76D-5E6A-BE75-FDD0-627B15C46A0E}"/>
               </a:ext>
             </a:extLst>
           </p:cNvPr>
@@ -2357,7 +2357,7 @@
           <p:cNvPr id="5" name="日期占位符 4">
             <a:extLst>
               <a:ext uri="{FF2B5EF4-FFF2-40B4-BE49-F238E27FC236}">
-                <a16:creationId xmlns:a16="http://schemas.microsoft.com/office/drawing/2014/main" id="{9A89046D-F700-03FD-1E2A-11185C48DE90}"/>
+                <a16:creationId xmlns:a16="http://schemas.microsoft.com/office/drawing/2014/main" id="{4C34043F-03D8-3067-DBED-3A6FD332DB85}"/>
               </a:ext>
             </a:extLst>
           </p:cNvPr>
@@ -2373,7 +2373,7 @@
           <a:bodyPr/>
           <a:lstStyle/>
           <a:p>
-            <a:fld id="{60231E07-91DC-43D0-B614-20EBE972B3CC}" type="datetimeFigureOut">
+            <a:fld id="{D2E8CE5E-070A-42F2-B15C-4D52EDEEF709}" type="datetimeFigureOut">
               <a:rPr lang="zh-CN" altLang="en-US" smtClean="0"/>
               <a:t>2024/3/10</a:t>
             </a:fld>
@@ -2386,7 +2386,7 @@
           <p:cNvPr id="6" name="页脚占位符 5">
             <a:extLst>
               <a:ext uri="{FF2B5EF4-FFF2-40B4-BE49-F238E27FC236}">
-                <a16:creationId xmlns:a16="http://schemas.microsoft.com/office/drawing/2014/main" id="{182B0FC9-9338-D1C7-E8CD-F6F281F4521A}"/>
+                <a16:creationId xmlns:a16="http://schemas.microsoft.com/office/drawing/2014/main" id="{5B9E7DD9-4C80-30C4-4451-4382B226199B}"/>
               </a:ext>
             </a:extLst>
           </p:cNvPr>
@@ -2411,7 +2411,7 @@
           <p:cNvPr id="7" name="灯片编号占位符 6">
             <a:extLst>
               <a:ext uri="{FF2B5EF4-FFF2-40B4-BE49-F238E27FC236}">
-                <a16:creationId xmlns:a16="http://schemas.microsoft.com/office/drawing/2014/main" id="{EB07E5C2-459B-883B-1CFB-6A6A5E73CBA9}"/>
+                <a16:creationId xmlns:a16="http://schemas.microsoft.com/office/drawing/2014/main" id="{B8E9A82E-9F79-7CF6-DE6B-1BE2B9FC598D}"/>
               </a:ext>
             </a:extLst>
           </p:cNvPr>
@@ -2427,7 +2427,7 @@
           <a:bodyPr/>
           <a:lstStyle/>
           <a:p>
-            <a:fld id="{1D4997B2-6EAD-47D3-A68B-808F28EFD321}" type="slidenum">
+            <a:fld id="{DD091B16-0BDB-4A8F-8245-60E07DA91186}" type="slidenum">
               <a:rPr lang="zh-CN" altLang="en-US" smtClean="0"/>
               <a:t>‹#›</a:t>
             </a:fld>
@@ -2438,7 +2438,7 @@
     </p:spTree>
     <p:extLst>
       <p:ext uri="{BB962C8B-B14F-4D97-AF65-F5344CB8AC3E}">
-        <p14:creationId xmlns:p14="http://schemas.microsoft.com/office/powerpoint/2010/main" val="1249438406"/>
+        <p14:creationId xmlns:p14="http://schemas.microsoft.com/office/powerpoint/2010/main" val="3876093630"/>
       </p:ext>
     </p:extLst>
   </p:cSld>
@@ -2470,7 +2470,7 @@
           <p:cNvPr id="2" name="标题 1">
             <a:extLst>
               <a:ext uri="{FF2B5EF4-FFF2-40B4-BE49-F238E27FC236}">
-                <a16:creationId xmlns:a16="http://schemas.microsoft.com/office/drawing/2014/main" id="{8CE122B5-1870-00BB-C75B-1B8B011EE1ED}"/>
+                <a16:creationId xmlns:a16="http://schemas.microsoft.com/office/drawing/2014/main" id="{62F5275F-D518-0A5D-C172-347174E5FC15}"/>
               </a:ext>
             </a:extLst>
           </p:cNvPr>
@@ -2507,7 +2507,7 @@
           <p:cNvPr id="3" name="图片占位符 2">
             <a:extLst>
               <a:ext uri="{FF2B5EF4-FFF2-40B4-BE49-F238E27FC236}">
-                <a16:creationId xmlns:a16="http://schemas.microsoft.com/office/drawing/2014/main" id="{B22C5258-4291-9D17-3EBA-4E3C66113553}"/>
+                <a16:creationId xmlns:a16="http://schemas.microsoft.com/office/drawing/2014/main" id="{AF40A61D-C144-A50E-DC00-84CE59B82115}"/>
               </a:ext>
             </a:extLst>
           </p:cNvPr>
@@ -2574,7 +2574,7 @@
           <p:cNvPr id="4" name="文本占位符 3">
             <a:extLst>
               <a:ext uri="{FF2B5EF4-FFF2-40B4-BE49-F238E27FC236}">
-                <a16:creationId xmlns:a16="http://schemas.microsoft.com/office/drawing/2014/main" id="{62E54390-8AAC-3EDA-8BE9-093AC09E2142}"/>
+                <a16:creationId xmlns:a16="http://schemas.microsoft.com/office/drawing/2014/main" id="{197BFC0C-D7BB-7D4C-55A9-F81282A8C654}"/>
               </a:ext>
             </a:extLst>
           </p:cNvPr>
@@ -2645,7 +2645,7 @@
           <p:cNvPr id="5" name="日期占位符 4">
             <a:extLst>
               <a:ext uri="{FF2B5EF4-FFF2-40B4-BE49-F238E27FC236}">
-                <a16:creationId xmlns:a16="http://schemas.microsoft.com/office/drawing/2014/main" id="{970E745D-F6A6-4DF8-E65D-E2637C274DE2}"/>
+                <a16:creationId xmlns:a16="http://schemas.microsoft.com/office/drawing/2014/main" id="{09FA2511-037E-0E8A-8C94-3B75B88CBCF5}"/>
               </a:ext>
             </a:extLst>
           </p:cNvPr>
@@ -2661,7 +2661,7 @@
           <a:bodyPr/>
           <a:lstStyle/>
           <a:p>
-            <a:fld id="{60231E07-91DC-43D0-B614-20EBE972B3CC}" type="datetimeFigureOut">
+            <a:fld id="{D2E8CE5E-070A-42F2-B15C-4D52EDEEF709}" type="datetimeFigureOut">
               <a:rPr lang="zh-CN" altLang="en-US" smtClean="0"/>
               <a:t>2024/3/10</a:t>
             </a:fld>
@@ -2674,7 +2674,7 @@
           <p:cNvPr id="6" name="页脚占位符 5">
             <a:extLst>
               <a:ext uri="{FF2B5EF4-FFF2-40B4-BE49-F238E27FC236}">
-                <a16:creationId xmlns:a16="http://schemas.microsoft.com/office/drawing/2014/main" id="{BE138565-ACD7-6C44-0834-B7D184FCF3DB}"/>
+                <a16:creationId xmlns:a16="http://schemas.microsoft.com/office/drawing/2014/main" id="{4C302295-CC79-45F0-CD00-E50634E83E4A}"/>
               </a:ext>
             </a:extLst>
           </p:cNvPr>
@@ -2699,7 +2699,7 @@
           <p:cNvPr id="7" name="灯片编号占位符 6">
             <a:extLst>
               <a:ext uri="{FF2B5EF4-FFF2-40B4-BE49-F238E27FC236}">
-                <a16:creationId xmlns:a16="http://schemas.microsoft.com/office/drawing/2014/main" id="{35E79F64-6BC8-2BAD-5C23-354CE95903D3}"/>
+                <a16:creationId xmlns:a16="http://schemas.microsoft.com/office/drawing/2014/main" id="{1828E101-8081-8AEA-7C05-46FA1A092080}"/>
               </a:ext>
             </a:extLst>
           </p:cNvPr>
@@ -2715,7 +2715,7 @@
           <a:bodyPr/>
           <a:lstStyle/>
           <a:p>
-            <a:fld id="{1D4997B2-6EAD-47D3-A68B-808F28EFD321}" type="slidenum">
+            <a:fld id="{DD091B16-0BDB-4A8F-8245-60E07DA91186}" type="slidenum">
               <a:rPr lang="zh-CN" altLang="en-US" smtClean="0"/>
               <a:t>‹#›</a:t>
             </a:fld>
@@ -2726,7 +2726,7 @@
     </p:spTree>
     <p:extLst>
       <p:ext uri="{BB962C8B-B14F-4D97-AF65-F5344CB8AC3E}">
-        <p14:creationId xmlns:p14="http://schemas.microsoft.com/office/powerpoint/2010/main" val="1333877699"/>
+        <p14:creationId xmlns:p14="http://schemas.microsoft.com/office/powerpoint/2010/main" val="204288432"/>
       </p:ext>
     </p:extLst>
   </p:cSld>
@@ -2763,7 +2763,7 @@
           <p:cNvPr id="2" name="标题占位符 1">
             <a:extLst>
               <a:ext uri="{FF2B5EF4-FFF2-40B4-BE49-F238E27FC236}">
-                <a16:creationId xmlns:a16="http://schemas.microsoft.com/office/drawing/2014/main" id="{2F8BFE74-3086-7682-DEE9-511FE8FE0797}"/>
+                <a16:creationId xmlns:a16="http://schemas.microsoft.com/office/drawing/2014/main" id="{AF880BB2-25EB-18B4-8448-658CA186FB4A}"/>
               </a:ext>
             </a:extLst>
           </p:cNvPr>
@@ -2801,7 +2801,7 @@
           <p:cNvPr id="3" name="文本占位符 2">
             <a:extLst>
               <a:ext uri="{FF2B5EF4-FFF2-40B4-BE49-F238E27FC236}">
-                <a16:creationId xmlns:a16="http://schemas.microsoft.com/office/drawing/2014/main" id="{4DC9B633-70C3-3120-7208-BB110E2F7639}"/>
+                <a16:creationId xmlns:a16="http://schemas.microsoft.com/office/drawing/2014/main" id="{179C96EB-9F21-F33E-F2E2-302337009AF4}"/>
               </a:ext>
             </a:extLst>
           </p:cNvPr>
@@ -2868,7 +2868,7 @@
           <p:cNvPr id="4" name="日期占位符 3">
             <a:extLst>
               <a:ext uri="{FF2B5EF4-FFF2-40B4-BE49-F238E27FC236}">
-                <a16:creationId xmlns:a16="http://schemas.microsoft.com/office/drawing/2014/main" id="{53180415-BD81-5162-7C68-D11176F9990A}"/>
+                <a16:creationId xmlns:a16="http://schemas.microsoft.com/office/drawing/2014/main" id="{DF1F2CF5-4295-B3C2-49FA-6E319D2C0892}"/>
               </a:ext>
             </a:extLst>
           </p:cNvPr>
@@ -2902,7 +2902,7 @@
             </a:lvl1pPr>
           </a:lstStyle>
           <a:p>
-            <a:fld id="{60231E07-91DC-43D0-B614-20EBE972B3CC}" type="datetimeFigureOut">
+            <a:fld id="{D2E8CE5E-070A-42F2-B15C-4D52EDEEF709}" type="datetimeFigureOut">
               <a:rPr lang="zh-CN" altLang="en-US" smtClean="0"/>
               <a:t>2024/3/10</a:t>
             </a:fld>
@@ -2915,7 +2915,7 @@
           <p:cNvPr id="5" name="页脚占位符 4">
             <a:extLst>
               <a:ext uri="{FF2B5EF4-FFF2-40B4-BE49-F238E27FC236}">
-                <a16:creationId xmlns:a16="http://schemas.microsoft.com/office/drawing/2014/main" id="{D80F1FD6-9EC4-AC0B-5BC7-69EB5CDA2F87}"/>
+                <a16:creationId xmlns:a16="http://schemas.microsoft.com/office/drawing/2014/main" id="{23A569DA-A5CA-BBCA-7F65-58CB717AA4C8}"/>
               </a:ext>
             </a:extLst>
           </p:cNvPr>
@@ -2958,7 +2958,7 @@
           <p:cNvPr id="6" name="灯片编号占位符 5">
             <a:extLst>
               <a:ext uri="{FF2B5EF4-FFF2-40B4-BE49-F238E27FC236}">
-                <a16:creationId xmlns:a16="http://schemas.microsoft.com/office/drawing/2014/main" id="{5FBF21EE-5060-EA86-3B31-B7DDF7E8F110}"/>
+                <a16:creationId xmlns:a16="http://schemas.microsoft.com/office/drawing/2014/main" id="{B5B15AF0-ACFE-1061-2011-D1110324F9D0}"/>
               </a:ext>
             </a:extLst>
           </p:cNvPr>
@@ -2992,7 +2992,7 @@
             </a:lvl1pPr>
           </a:lstStyle>
           <a:p>
-            <a:fld id="{1D4997B2-6EAD-47D3-A68B-808F28EFD321}" type="slidenum">
+            <a:fld id="{DD091B16-0BDB-4A8F-8245-60E07DA91186}" type="slidenum">
               <a:rPr lang="zh-CN" altLang="en-US" smtClean="0"/>
               <a:t>‹#›</a:t>
             </a:fld>
@@ -3003,7 +3003,7 @@
     </p:spTree>
     <p:extLst>
       <p:ext uri="{BB962C8B-B14F-4D97-AF65-F5344CB8AC3E}">
-        <p14:creationId xmlns:p14="http://schemas.microsoft.com/office/powerpoint/2010/main" val="3436201814"/>
+        <p14:creationId xmlns:p14="http://schemas.microsoft.com/office/powerpoint/2010/main" val="922549346"/>
       </p:ext>
     </p:extLst>
   </p:cSld>
